--- a/Feature Extraction.pptx
+++ b/Feature Extraction.pptx
@@ -7,15 +7,16 @@
   <p:sldIdLst>
     <p:sldId id="256" r:id="rId2"/>
     <p:sldId id="257" r:id="rId3"/>
-    <p:sldId id="258" r:id="rId4"/>
-    <p:sldId id="259" r:id="rId5"/>
-    <p:sldId id="261" r:id="rId6"/>
-    <p:sldId id="260" r:id="rId7"/>
-    <p:sldId id="265" r:id="rId8"/>
-    <p:sldId id="263" r:id="rId9"/>
-    <p:sldId id="264" r:id="rId10"/>
-    <p:sldId id="266" r:id="rId11"/>
-    <p:sldId id="262" r:id="rId12"/>
+    <p:sldId id="267" r:id="rId4"/>
+    <p:sldId id="258" r:id="rId5"/>
+    <p:sldId id="259" r:id="rId6"/>
+    <p:sldId id="261" r:id="rId7"/>
+    <p:sldId id="260" r:id="rId8"/>
+    <p:sldId id="265" r:id="rId9"/>
+    <p:sldId id="263" r:id="rId10"/>
+    <p:sldId id="264" r:id="rId11"/>
+    <p:sldId id="266" r:id="rId12"/>
+    <p:sldId id="262" r:id="rId13"/>
   </p:sldIdLst>
   <p:sldSz cx="12192000" cy="6858000"/>
   <p:notesSz cx="6858000" cy="9144000"/>
@@ -120,6 +121,67 @@
     </p:ext>
   </p:extLst>
 </p:presentation>
+</file>
+
+<file path=ppt/changesInfos/changesInfo1.xml><?xml version="1.0" encoding="utf-8"?>
+<pc:chgInfo xmlns:a="http://schemas.openxmlformats.org/drawingml/2006/main" xmlns:r="http://schemas.openxmlformats.org/officeDocument/2006/relationships" xmlns:ac="http://schemas.microsoft.com/office/drawing/2013/main/command" xmlns:pc="http://schemas.microsoft.com/office/powerpoint/2013/main/command">
+  <pc:docChgLst>
+    <pc:chgData name="gene olafsen" userId="e5f59384b4ca89d9" providerId="Windows Live" clId="Web-{71CFBA82-ECA2-4E46-8CB5-146EC74D1EEE}"/>
+    <pc:docChg chg="modSld">
+      <pc:chgData name="gene olafsen" userId="e5f59384b4ca89d9" providerId="Windows Live" clId="Web-{71CFBA82-ECA2-4E46-8CB5-146EC74D1EEE}" dt="2017-12-12T13:49:56.894" v="3"/>
+      <pc:docMkLst>
+        <pc:docMk/>
+      </pc:docMkLst>
+      <pc:sldChg chg="addSp modSp">
+        <pc:chgData name="gene olafsen" userId="e5f59384b4ca89d9" providerId="Windows Live" clId="Web-{71CFBA82-ECA2-4E46-8CB5-146EC74D1EEE}" dt="2017-12-12T13:49:56.894" v="3"/>
+        <pc:sldMkLst>
+          <pc:docMk/>
+          <pc:sldMk cId="4057043610" sldId="260"/>
+        </pc:sldMkLst>
+        <pc:picChg chg="add mod">
+          <ac:chgData name="gene olafsen" userId="e5f59384b4ca89d9" providerId="Windows Live" clId="Web-{71CFBA82-ECA2-4E46-8CB5-146EC74D1EEE}" dt="2017-12-12T13:49:56.894" v="3"/>
+          <ac:picMkLst>
+            <pc:docMk/>
+            <pc:sldMk cId="4057043610" sldId="260"/>
+            <ac:picMk id="4" creationId="{9AFABBCC-54DE-4310-8F34-B19153A99FB7}"/>
+          </ac:picMkLst>
+        </pc:picChg>
+      </pc:sldChg>
+    </pc:docChg>
+  </pc:docChgLst>
+  <pc:docChgLst>
+    <pc:chgData name="gene olafsen" userId="e5f59384b4ca89d9" providerId="Windows Live" clId="Web-{2FE8D973-5B4C-4528-89C3-4D5931AB911C}"/>
+    <pc:docChg chg="addSld modSld modSection">
+      <pc:chgData name="gene olafsen" userId="e5f59384b4ca89d9" providerId="Windows Live" clId="Web-{2FE8D973-5B4C-4528-89C3-4D5931AB911C}" dt="2017-12-12T17:57:57.033" v="239"/>
+      <pc:docMkLst>
+        <pc:docMk/>
+      </pc:docMkLst>
+      <pc:sldChg chg="modSp new">
+        <pc:chgData name="gene olafsen" userId="e5f59384b4ca89d9" providerId="Windows Live" clId="Web-{2FE8D973-5B4C-4528-89C3-4D5931AB911C}" dt="2017-12-12T17:57:57.033" v="238"/>
+        <pc:sldMkLst>
+          <pc:docMk/>
+          <pc:sldMk cId="3110531098" sldId="267"/>
+        </pc:sldMkLst>
+        <pc:spChg chg="mod">
+          <ac:chgData name="gene olafsen" userId="e5f59384b4ca89d9" providerId="Windows Live" clId="Web-{2FE8D973-5B4C-4528-89C3-4D5931AB911C}" dt="2017-12-12T17:39:48.092" v="35"/>
+          <ac:spMkLst>
+            <pc:docMk/>
+            <pc:sldMk cId="3110531098" sldId="267"/>
+            <ac:spMk id="2" creationId="{A5F7E98F-39A8-43B8-B3CE-9CBBB5040C54}"/>
+          </ac:spMkLst>
+        </pc:spChg>
+        <pc:spChg chg="mod">
+          <ac:chgData name="gene olafsen" userId="e5f59384b4ca89d9" providerId="Windows Live" clId="Web-{2FE8D973-5B4C-4528-89C3-4D5931AB911C}" dt="2017-12-12T17:57:57.033" v="238"/>
+          <ac:spMkLst>
+            <pc:docMk/>
+            <pc:sldMk cId="3110531098" sldId="267"/>
+            <ac:spMk id="3" creationId="{8FCBCDAB-13EC-4A96-A86A-82B8DB6B8028}"/>
+          </ac:spMkLst>
+        </pc:spChg>
+      </pc:sldChg>
+    </pc:docChg>
+  </pc:docChgLst>
+</pc:chgInfo>
 </file>
 
 <file path=ppt/slideLayouts/slideLayout1.xml><?xml version="1.0" encoding="utf-8"?>
@@ -4398,7 +4460,7 @@
           <a:p>
             <a:fld id="{48A87A34-81AB-432B-8DAE-1953F412C126}" type="datetimeFigureOut">
               <a:rPr lang="en-US" dirty="0"/>
-              <a:t>11/26/2017</a:t>
+              <a:t>12/12/2017</a:t>
             </a:fld>
             <a:endParaRPr lang="en-US" dirty="0"/>
           </a:p>
@@ -4660,7 +4722,7 @@
           <a:p>
             <a:fld id="{48A87A34-81AB-432B-8DAE-1953F412C126}" type="datetimeFigureOut">
               <a:rPr lang="en-US" dirty="0"/>
-              <a:t>11/26/2017</a:t>
+              <a:t>12/12/2017</a:t>
             </a:fld>
             <a:endParaRPr lang="en-US" dirty="0"/>
           </a:p>
@@ -4851,7 +4913,7 @@
           <a:p>
             <a:fld id="{48A87A34-81AB-432B-8DAE-1953F412C126}" type="datetimeFigureOut">
               <a:rPr lang="en-US" dirty="0"/>
-              <a:t>11/26/2017</a:t>
+              <a:t>12/12/2017</a:t>
             </a:fld>
             <a:endParaRPr lang="en-US" dirty="0"/>
           </a:p>
@@ -5109,7 +5171,7 @@
           <a:p>
             <a:fld id="{48A87A34-81AB-432B-8DAE-1953F412C126}" type="datetimeFigureOut">
               <a:rPr lang="en-US" dirty="0"/>
-              <a:t>11/26/2017</a:t>
+              <a:t>12/12/2017</a:t>
             </a:fld>
             <a:endParaRPr lang="en-US" dirty="0"/>
           </a:p>
@@ -5538,7 +5600,7 @@
           <a:p>
             <a:fld id="{48A87A34-81AB-432B-8DAE-1953F412C126}" type="datetimeFigureOut">
               <a:rPr lang="en-US" dirty="0"/>
-              <a:t>11/26/2017</a:t>
+              <a:t>12/12/2017</a:t>
             </a:fld>
             <a:endParaRPr lang="en-US" dirty="0"/>
           </a:p>
@@ -6079,7 +6141,7 @@
           <a:p>
             <a:fld id="{48A87A34-81AB-432B-8DAE-1953F412C126}" type="datetimeFigureOut">
               <a:rPr lang="en-US" dirty="0"/>
-              <a:t>11/26/2017</a:t>
+              <a:t>12/12/2017</a:t>
             </a:fld>
             <a:endParaRPr lang="en-US" dirty="0"/>
           </a:p>
@@ -6794,7 +6856,7 @@
           <a:p>
             <a:fld id="{48A87A34-81AB-432B-8DAE-1953F412C126}" type="datetimeFigureOut">
               <a:rPr lang="en-US" dirty="0"/>
-              <a:t>11/26/2017</a:t>
+              <a:t>12/12/2017</a:t>
             </a:fld>
             <a:endParaRPr lang="en-US" dirty="0"/>
           </a:p>
@@ -6959,7 +7021,7 @@
           <a:p>
             <a:fld id="{48A87A34-81AB-432B-8DAE-1953F412C126}" type="datetimeFigureOut">
               <a:rPr lang="en-US" dirty="0"/>
-              <a:t>11/26/2017</a:t>
+              <a:t>12/12/2017</a:t>
             </a:fld>
             <a:endParaRPr lang="en-US" dirty="0"/>
           </a:p>
@@ -7134,7 +7196,7 @@
           <a:p>
             <a:fld id="{48A87A34-81AB-432B-8DAE-1953F412C126}" type="datetimeFigureOut">
               <a:rPr lang="en-US" dirty="0"/>
-              <a:t>11/26/2017</a:t>
+              <a:t>12/12/2017</a:t>
             </a:fld>
             <a:endParaRPr lang="en-US" dirty="0"/>
           </a:p>
@@ -7299,7 +7361,7 @@
           <a:p>
             <a:fld id="{48A87A34-81AB-432B-8DAE-1953F412C126}" type="datetimeFigureOut">
               <a:rPr lang="en-US" dirty="0"/>
-              <a:t>11/26/2017</a:t>
+              <a:t>12/12/2017</a:t>
             </a:fld>
             <a:endParaRPr lang="en-US" dirty="0"/>
           </a:p>
@@ -7544,7 +7606,7 @@
           <a:p>
             <a:fld id="{48A87A34-81AB-432B-8DAE-1953F412C126}" type="datetimeFigureOut">
               <a:rPr lang="en-US" dirty="0"/>
-              <a:t>11/26/2017</a:t>
+              <a:t>12/12/2017</a:t>
             </a:fld>
             <a:endParaRPr lang="en-US" dirty="0"/>
           </a:p>
@@ -7771,7 +7833,7 @@
           <a:p>
             <a:fld id="{48A87A34-81AB-432B-8DAE-1953F412C126}" type="datetimeFigureOut">
               <a:rPr lang="en-US" dirty="0"/>
-              <a:t>11/26/2017</a:t>
+              <a:t>12/12/2017</a:t>
             </a:fld>
             <a:endParaRPr lang="en-US" dirty="0"/>
           </a:p>
@@ -8147,7 +8209,7 @@
           <a:p>
             <a:fld id="{48A87A34-81AB-432B-8DAE-1953F412C126}" type="datetimeFigureOut">
               <a:rPr lang="en-US" dirty="0"/>
-              <a:t>11/26/2017</a:t>
+              <a:t>12/12/2017</a:t>
             </a:fld>
             <a:endParaRPr lang="en-US" dirty="0"/>
           </a:p>
@@ -8260,7 +8322,7 @@
           <a:p>
             <a:fld id="{48A87A34-81AB-432B-8DAE-1953F412C126}" type="datetimeFigureOut">
               <a:rPr lang="en-US" dirty="0"/>
-              <a:t>11/26/2017</a:t>
+              <a:t>12/12/2017</a:t>
             </a:fld>
             <a:endParaRPr lang="en-US" dirty="0"/>
           </a:p>
@@ -8350,7 +8412,7 @@
           <a:p>
             <a:fld id="{48A87A34-81AB-432B-8DAE-1953F412C126}" type="datetimeFigureOut">
               <a:rPr lang="en-US" dirty="0"/>
-              <a:t>11/26/2017</a:t>
+              <a:t>12/12/2017</a:t>
             </a:fld>
             <a:endParaRPr lang="en-US" dirty="0"/>
           </a:p>
@@ -8594,7 +8656,7 @@
           <a:p>
             <a:fld id="{48A87A34-81AB-432B-8DAE-1953F412C126}" type="datetimeFigureOut">
               <a:rPr lang="en-US" dirty="0"/>
-              <a:t>11/26/2017</a:t>
+              <a:t>12/12/2017</a:t>
             </a:fld>
             <a:endParaRPr lang="en-US" dirty="0"/>
           </a:p>
@@ -8869,7 +8931,7 @@
           <a:p>
             <a:fld id="{48A87A34-81AB-432B-8DAE-1953F412C126}" type="datetimeFigureOut">
               <a:rPr lang="en-US" dirty="0"/>
-              <a:t>11/26/2017</a:t>
+              <a:t>12/12/2017</a:t>
             </a:fld>
             <a:endParaRPr lang="en-US" dirty="0"/>
           </a:p>
@@ -11942,7 +12004,7 @@
             <a:fld id="{48A87A34-81AB-432B-8DAE-1953F412C126}" type="datetimeFigureOut">
               <a:rPr lang="en-US" dirty="0"/>
               <a:pPr/>
-              <a:t>11/26/2017</a:t>
+              <a:t>12/12/2017</a:t>
             </a:fld>
             <a:endParaRPr lang="en-US" dirty="0"/>
           </a:p>
@@ -12485,6 +12547,133 @@
           <p:cNvPr id="2" name="Title 1">
             <a:extLst>
               <a:ext uri="{FF2B5EF4-FFF2-40B4-BE49-F238E27FC236}">
+                <a16:creationId xmlns:a16="http://schemas.microsoft.com/office/drawing/2014/main" id="{3A9443B0-62FF-4D73-AB08-F89493198A5E}"/>
+              </a:ext>
+            </a:extLst>
+          </p:cNvPr>
+          <p:cNvSpPr>
+            <a:spLocks noGrp="1"/>
+          </p:cNvSpPr>
+          <p:nvPr>
+            <p:ph type="title"/>
+          </p:nvPr>
+        </p:nvSpPr>
+        <p:spPr/>
+        <p:txBody>
+          <a:bodyPr/>
+          <a:lstStyle/>
+          <a:p>
+            <a:r>
+              <a:rPr lang="en-US" dirty="0" err="1"/>
+              <a:t>Featurehasher</a:t>
+            </a:r>
+            <a:r>
+              <a:rPr lang="en-US" dirty="0"/>
+              <a:t>                                        skl-fe2</a:t>
+            </a:r>
+          </a:p>
+        </p:txBody>
+      </p:sp>
+      <p:sp>
+        <p:nvSpPr>
+          <p:cNvPr id="3" name="Content Placeholder 2">
+            <a:extLst>
+              <a:ext uri="{FF2B5EF4-FFF2-40B4-BE49-F238E27FC236}">
+                <a16:creationId xmlns:a16="http://schemas.microsoft.com/office/drawing/2014/main" id="{3EFB36A5-DDB8-4810-98F1-0A219C92616B}"/>
+              </a:ext>
+            </a:extLst>
+          </p:cNvPr>
+          <p:cNvSpPr>
+            <a:spLocks noGrp="1"/>
+          </p:cNvSpPr>
+          <p:nvPr>
+            <p:ph idx="1"/>
+          </p:nvPr>
+        </p:nvSpPr>
+        <p:spPr/>
+        <p:txBody>
+          <a:bodyPr vert="horz" lIns="91440" tIns="45720" rIns="91440" bIns="45720" rtlCol="0" anchor="t">
+            <a:normAutofit/>
+          </a:bodyPr>
+          <a:lstStyle/>
+          <a:p>
+            <a:r>
+              <a:rPr lang="en-US" dirty="0"/>
+              <a:t>This class turns sequences of symbolic feature names (strings) into </a:t>
+            </a:r>
+            <a:r>
+              <a:rPr lang="en-US" dirty="0" err="1"/>
+              <a:t>scipy.sparse</a:t>
+            </a:r>
+            <a:r>
+              <a:rPr lang="en-US" dirty="0"/>
+              <a:t> matrices. </a:t>
+            </a:r>
+            <a:endParaRPr lang="en-US"/>
+          </a:p>
+          <a:p>
+            <a:r>
+              <a:rPr lang="en-US" dirty="0"/>
+              <a:t>Pro</a:t>
+            </a:r>
+          </a:p>
+          <a:p>
+            <a:pPr lvl="1"/>
+            <a:r>
+              <a:rPr lang="en-US" dirty="0"/>
+              <a:t>Offers increased speed and reduced memory usage (over one-hot).</a:t>
+            </a:r>
+          </a:p>
+          <a:p>
+            <a:r>
+              <a:rPr lang="en-US" dirty="0"/>
+              <a:t>Con</a:t>
+            </a:r>
+          </a:p>
+          <a:p>
+            <a:pPr lvl="1"/>
+            <a:r>
+              <a:rPr lang="en-US" dirty="0"/>
+              <a:t>One-way hash is not reversible</a:t>
+            </a:r>
+          </a:p>
+        </p:txBody>
+      </p:sp>
+    </p:spTree>
+    <p:extLst>
+      <p:ext uri="{BB962C8B-B14F-4D97-AF65-F5344CB8AC3E}">
+        <p14:creationId xmlns:p14="http://schemas.microsoft.com/office/powerpoint/2010/main" val="1828216285"/>
+      </p:ext>
+    </p:extLst>
+  </p:cSld>
+  <p:clrMapOvr>
+    <a:masterClrMapping/>
+  </p:clrMapOvr>
+</p:sld>
+</file>
+
+<file path=ppt/slides/slide11.xml><?xml version="1.0" encoding="utf-8"?>
+<p:sld xmlns:a="http://schemas.openxmlformats.org/drawingml/2006/main" xmlns:r="http://schemas.openxmlformats.org/officeDocument/2006/relationships" xmlns:p="http://schemas.openxmlformats.org/presentationml/2006/main">
+  <p:cSld>
+    <p:spTree>
+      <p:nvGrpSpPr>
+        <p:cNvPr id="1" name=""/>
+        <p:cNvGrpSpPr/>
+        <p:nvPr/>
+      </p:nvGrpSpPr>
+      <p:grpSpPr>
+        <a:xfrm>
+          <a:off x="0" y="0"/>
+          <a:ext cx="0" cy="0"/>
+          <a:chOff x="0" y="0"/>
+          <a:chExt cx="0" cy="0"/>
+        </a:xfrm>
+      </p:grpSpPr>
+      <p:sp>
+        <p:nvSpPr>
+          <p:cNvPr id="2" name="Title 1">
+            <a:extLst>
+              <a:ext uri="{FF2B5EF4-FFF2-40B4-BE49-F238E27FC236}">
                 <a16:creationId xmlns:a16="http://schemas.microsoft.com/office/drawing/2014/main" id="{512AC75A-F7A4-4FCB-8054-69ACE4952DDE}"/>
               </a:ext>
             </a:extLst>
@@ -12568,7 +12757,7 @@
 </p:sld>
 </file>
 
-<file path=ppt/slides/slide11.xml><?xml version="1.0" encoding="utf-8"?>
+<file path=ppt/slides/slide12.xml><?xml version="1.0" encoding="utf-8"?>
 <p:sld xmlns:a="http://schemas.openxmlformats.org/drawingml/2006/main" xmlns:r="http://schemas.openxmlformats.org/officeDocument/2006/relationships" xmlns:p="http://schemas.openxmlformats.org/presentationml/2006/main">
   <p:cSld>
     <p:spTree>
@@ -12778,6 +12967,129 @@
           <p:cNvPr id="2" name="Title 1">
             <a:extLst>
               <a:ext uri="{FF2B5EF4-FFF2-40B4-BE49-F238E27FC236}">
+                <a16:creationId xmlns:a16="http://schemas.microsoft.com/office/drawing/2014/main" id="{A5F7E98F-39A8-43B8-B3CE-9CBBB5040C54}"/>
+              </a:ext>
+            </a:extLst>
+          </p:cNvPr>
+          <p:cNvSpPr>
+            <a:spLocks noGrp="1"/>
+          </p:cNvSpPr>
+          <p:nvPr>
+            <p:ph type="title"/>
+          </p:nvPr>
+        </p:nvSpPr>
+        <p:spPr/>
+        <p:txBody>
+          <a:bodyPr/>
+          <a:lstStyle/>
+          <a:p>
+            <a:r>
+              <a:rPr lang="en-US" dirty="0"/>
+              <a:t>Problem solving</a:t>
+            </a:r>
+          </a:p>
+        </p:txBody>
+      </p:sp>
+      <p:sp>
+        <p:nvSpPr>
+          <p:cNvPr id="3" name="Content Placeholder 2">
+            <a:extLst>
+              <a:ext uri="{FF2B5EF4-FFF2-40B4-BE49-F238E27FC236}">
+                <a16:creationId xmlns:a16="http://schemas.microsoft.com/office/drawing/2014/main" id="{8FCBCDAB-13EC-4A96-A86A-82B8DB6B8028}"/>
+              </a:ext>
+            </a:extLst>
+          </p:cNvPr>
+          <p:cNvSpPr>
+            <a:spLocks noGrp="1"/>
+          </p:cNvSpPr>
+          <p:nvPr>
+            <p:ph idx="1"/>
+          </p:nvPr>
+        </p:nvSpPr>
+        <p:spPr/>
+        <p:txBody>
+          <a:bodyPr vert="horz" lIns="91440" tIns="45720" rIns="91440" bIns="45720" rtlCol="0" anchor="t">
+            <a:normAutofit/>
+          </a:bodyPr>
+          <a:lstStyle/>
+          <a:p>
+            <a:r>
+              <a:rPr lang="en-US" dirty="0"/>
+              <a:t>Prospect to Account Conversion</a:t>
+            </a:r>
+          </a:p>
+          <a:p>
+            <a:pPr lvl="1"/>
+            <a:r>
+              <a:rPr lang="en-US" dirty="0"/>
+              <a:t>Sales Representatives identified by employee number or AD GUID</a:t>
+            </a:r>
+          </a:p>
+          <a:p>
+            <a:pPr lvl="1"/>
+            <a:r>
+              <a:rPr lang="en-US" dirty="0"/>
+              <a:t>Sales Regions</a:t>
+            </a:r>
+          </a:p>
+          <a:p>
+            <a:pPr lvl="1"/>
+            <a:r>
+              <a:rPr lang="en-US" dirty="0"/>
+              <a:t>Sales Support Teams</a:t>
+            </a:r>
+          </a:p>
+          <a:p>
+            <a:pPr lvl="2"/>
+            <a:r>
+              <a:rPr lang="en-US" dirty="0"/>
+              <a:t>Employees – employee number or AD GUID</a:t>
+            </a:r>
+          </a:p>
+          <a:p>
+            <a:pPr lvl="2"/>
+            <a:r>
+              <a:rPr lang="en-US" dirty="0"/>
+              <a:t>Role – a role specific to this potential account</a:t>
+            </a:r>
+          </a:p>
+        </p:txBody>
+      </p:sp>
+    </p:spTree>
+    <p:extLst>
+      <p:ext uri="{BB962C8B-B14F-4D97-AF65-F5344CB8AC3E}">
+        <p14:creationId xmlns:p14="http://schemas.microsoft.com/office/powerpoint/2010/main" val="3110531098"/>
+      </p:ext>
+    </p:extLst>
+  </p:cSld>
+  <p:clrMapOvr>
+    <a:masterClrMapping/>
+  </p:clrMapOvr>
+</p:sld>
+</file>
+
+<file path=ppt/slides/slide4.xml><?xml version="1.0" encoding="utf-8"?>
+<p:sld xmlns:a="http://schemas.openxmlformats.org/drawingml/2006/main" xmlns:r="http://schemas.openxmlformats.org/officeDocument/2006/relationships" xmlns:p="http://schemas.openxmlformats.org/presentationml/2006/main">
+  <p:cSld>
+    <p:spTree>
+      <p:nvGrpSpPr>
+        <p:cNvPr id="1" name=""/>
+        <p:cNvGrpSpPr/>
+        <p:nvPr/>
+      </p:nvGrpSpPr>
+      <p:grpSpPr>
+        <a:xfrm>
+          <a:off x="0" y="0"/>
+          <a:ext cx="0" cy="0"/>
+          <a:chOff x="0" y="0"/>
+          <a:chExt cx="0" cy="0"/>
+        </a:xfrm>
+      </p:grpSpPr>
+      <p:sp>
+        <p:nvSpPr>
+          <p:cNvPr id="2" name="Title 1">
+            <a:extLst>
+              <a:ext uri="{FF2B5EF4-FFF2-40B4-BE49-F238E27FC236}">
                 <a16:creationId xmlns:a16="http://schemas.microsoft.com/office/drawing/2014/main" id="{56BB5D59-4434-4053-9026-AC5F09034DBF}"/>
               </a:ext>
             </a:extLst>
@@ -12887,7 +13199,7 @@
 </p:sld>
 </file>
 
-<file path=ppt/slides/slide4.xml><?xml version="1.0" encoding="utf-8"?>
+<file path=ppt/slides/slide5.xml><?xml version="1.0" encoding="utf-8"?>
 <p:sld xmlns:a="http://schemas.openxmlformats.org/drawingml/2006/main" xmlns:r="http://schemas.openxmlformats.org/officeDocument/2006/relationships" xmlns:p="http://schemas.openxmlformats.org/presentationml/2006/main">
   <p:cSld>
     <p:spTree>
@@ -13032,7 +13344,7 @@
 </p:sld>
 </file>
 
-<file path=ppt/slides/slide5.xml><?xml version="1.0" encoding="utf-8"?>
+<file path=ppt/slides/slide6.xml><?xml version="1.0" encoding="utf-8"?>
 <p:sld xmlns:a="http://schemas.openxmlformats.org/drawingml/2006/main" xmlns:r="http://schemas.openxmlformats.org/officeDocument/2006/relationships" xmlns:p="http://schemas.openxmlformats.org/presentationml/2006/main">
   <p:cSld>
     <p:spTree>
@@ -13634,7 +13946,7 @@
 </p:sld>
 </file>
 
-<file path=ppt/slides/slide6.xml><?xml version="1.0" encoding="utf-8"?>
+<file path=ppt/slides/slide7.xml><?xml version="1.0" encoding="utf-8"?>
 <p:sld xmlns:a="http://schemas.openxmlformats.org/drawingml/2006/main" xmlns:r="http://schemas.openxmlformats.org/officeDocument/2006/relationships" xmlns:p="http://schemas.openxmlformats.org/presentationml/2006/main">
   <p:cSld>
     <p:spTree>
@@ -13748,6 +14060,36 @@
           </a:p>
         </p:txBody>
       </p:sp>
+      <p:pic>
+        <p:nvPicPr>
+          <p:cNvPr id="4" name="Picture 4" descr="GaussianScatterPCA.svg.png">
+            <a:extLst>
+              <a:ext uri="{FF2B5EF4-FFF2-40B4-BE49-F238E27FC236}">
+                <a16:creationId xmlns:a16="http://schemas.microsoft.com/office/drawing/2014/main" id="{9AFABBCC-54DE-4310-8F34-B19153A99FB7}"/>
+              </a:ext>
+            </a:extLst>
+          </p:cNvPr>
+          <p:cNvPicPr>
+            <a:picLocks noChangeAspect="1"/>
+          </p:cNvPicPr>
+          <p:nvPr/>
+        </p:nvPicPr>
+        <p:blipFill>
+          <a:blip r:embed="rId2"/>
+          <a:stretch>
+            <a:fillRect/>
+          </a:stretch>
+        </p:blipFill>
+        <p:spPr>
+          <a:xfrm>
+            <a:off x="8086725" y="171450"/>
+            <a:ext cx="2460718" cy="2463237"/>
+          </a:xfrm>
+          <a:prstGeom prst="rect">
+            <a:avLst/>
+          </a:prstGeom>
+        </p:spPr>
+      </p:pic>
     </p:spTree>
     <p:extLst>
       <p:ext uri="{BB962C8B-B14F-4D97-AF65-F5344CB8AC3E}">
@@ -13761,7 +14103,7 @@
 </p:sld>
 </file>
 
-<file path=ppt/slides/slide7.xml><?xml version="1.0" encoding="utf-8"?>
+<file path=ppt/slides/slide8.xml><?xml version="1.0" encoding="utf-8"?>
 <p:sld xmlns:a="http://schemas.openxmlformats.org/drawingml/2006/main" xmlns:r="http://schemas.openxmlformats.org/officeDocument/2006/relationships" xmlns:p="http://schemas.openxmlformats.org/presentationml/2006/main">
   <p:cSld>
     <p:spTree>
@@ -13857,7 +14199,7 @@
 </p:sld>
 </file>
 
-<file path=ppt/slides/slide8.xml><?xml version="1.0" encoding="utf-8"?>
+<file path=ppt/slides/slide9.xml><?xml version="1.0" encoding="utf-8"?>
 <p:sld xmlns:a="http://schemas.openxmlformats.org/drawingml/2006/main" xmlns:r="http://schemas.openxmlformats.org/officeDocument/2006/relationships" xmlns:p="http://schemas.openxmlformats.org/presentationml/2006/main">
   <p:cSld>
     <p:spTree>
@@ -13974,133 +14316,6 @@
     <p:extLst>
       <p:ext uri="{BB962C8B-B14F-4D97-AF65-F5344CB8AC3E}">
         <p14:creationId xmlns:p14="http://schemas.microsoft.com/office/powerpoint/2010/main" val="3559276950"/>
-      </p:ext>
-    </p:extLst>
-  </p:cSld>
-  <p:clrMapOvr>
-    <a:masterClrMapping/>
-  </p:clrMapOvr>
-</p:sld>
-</file>
-
-<file path=ppt/slides/slide9.xml><?xml version="1.0" encoding="utf-8"?>
-<p:sld xmlns:a="http://schemas.openxmlformats.org/drawingml/2006/main" xmlns:r="http://schemas.openxmlformats.org/officeDocument/2006/relationships" xmlns:p="http://schemas.openxmlformats.org/presentationml/2006/main">
-  <p:cSld>
-    <p:spTree>
-      <p:nvGrpSpPr>
-        <p:cNvPr id="1" name=""/>
-        <p:cNvGrpSpPr/>
-        <p:nvPr/>
-      </p:nvGrpSpPr>
-      <p:grpSpPr>
-        <a:xfrm>
-          <a:off x="0" y="0"/>
-          <a:ext cx="0" cy="0"/>
-          <a:chOff x="0" y="0"/>
-          <a:chExt cx="0" cy="0"/>
-        </a:xfrm>
-      </p:grpSpPr>
-      <p:sp>
-        <p:nvSpPr>
-          <p:cNvPr id="2" name="Title 1">
-            <a:extLst>
-              <a:ext uri="{FF2B5EF4-FFF2-40B4-BE49-F238E27FC236}">
-                <a16:creationId xmlns:a16="http://schemas.microsoft.com/office/drawing/2014/main" id="{3A9443B0-62FF-4D73-AB08-F89493198A5E}"/>
-              </a:ext>
-            </a:extLst>
-          </p:cNvPr>
-          <p:cNvSpPr>
-            <a:spLocks noGrp="1"/>
-          </p:cNvSpPr>
-          <p:nvPr>
-            <p:ph type="title"/>
-          </p:nvPr>
-        </p:nvSpPr>
-        <p:spPr/>
-        <p:txBody>
-          <a:bodyPr/>
-          <a:lstStyle/>
-          <a:p>
-            <a:r>
-              <a:rPr lang="en-US" dirty="0" err="1"/>
-              <a:t>Featurehasher</a:t>
-            </a:r>
-            <a:r>
-              <a:rPr lang="en-US" dirty="0"/>
-              <a:t>                                        skl-fe2</a:t>
-            </a:r>
-          </a:p>
-        </p:txBody>
-      </p:sp>
-      <p:sp>
-        <p:nvSpPr>
-          <p:cNvPr id="3" name="Content Placeholder 2">
-            <a:extLst>
-              <a:ext uri="{FF2B5EF4-FFF2-40B4-BE49-F238E27FC236}">
-                <a16:creationId xmlns:a16="http://schemas.microsoft.com/office/drawing/2014/main" id="{3EFB36A5-DDB8-4810-98F1-0A219C92616B}"/>
-              </a:ext>
-            </a:extLst>
-          </p:cNvPr>
-          <p:cNvSpPr>
-            <a:spLocks noGrp="1"/>
-          </p:cNvSpPr>
-          <p:nvPr>
-            <p:ph idx="1"/>
-          </p:nvPr>
-        </p:nvSpPr>
-        <p:spPr/>
-        <p:txBody>
-          <a:bodyPr vert="horz" lIns="91440" tIns="45720" rIns="91440" bIns="45720" rtlCol="0" anchor="t">
-            <a:normAutofit/>
-          </a:bodyPr>
-          <a:lstStyle/>
-          <a:p>
-            <a:r>
-              <a:rPr lang="en-US" dirty="0"/>
-              <a:t>This class turns sequences of symbolic feature names (strings) into </a:t>
-            </a:r>
-            <a:r>
-              <a:rPr lang="en-US" dirty="0" err="1"/>
-              <a:t>scipy.sparse</a:t>
-            </a:r>
-            <a:r>
-              <a:rPr lang="en-US" dirty="0"/>
-              <a:t> matrices. </a:t>
-            </a:r>
-            <a:endParaRPr lang="en-US"/>
-          </a:p>
-          <a:p>
-            <a:r>
-              <a:rPr lang="en-US" dirty="0"/>
-              <a:t>Pro</a:t>
-            </a:r>
-          </a:p>
-          <a:p>
-            <a:pPr lvl="1"/>
-            <a:r>
-              <a:rPr lang="en-US" dirty="0"/>
-              <a:t>Offers increased speed and reduced memory usage (over one-hot).</a:t>
-            </a:r>
-          </a:p>
-          <a:p>
-            <a:r>
-              <a:rPr lang="en-US" dirty="0"/>
-              <a:t>Con</a:t>
-            </a:r>
-          </a:p>
-          <a:p>
-            <a:pPr lvl="1"/>
-            <a:r>
-              <a:rPr lang="en-US" dirty="0"/>
-              <a:t>One-way hash is not reversible</a:t>
-            </a:r>
-          </a:p>
-        </p:txBody>
-      </p:sp>
-    </p:spTree>
-    <p:extLst>
-      <p:ext uri="{BB962C8B-B14F-4D97-AF65-F5344CB8AC3E}">
-        <p14:creationId xmlns:p14="http://schemas.microsoft.com/office/powerpoint/2010/main" val="1828216285"/>
       </p:ext>
     </p:extLst>
   </p:cSld>
